--- a/Final Short Presentation.pptx
+++ b/Final Short Presentation.pptx
@@ -198,7 +198,7 @@
           <a:p>
             <a:fld id="{D4C85C50-5966-7F47-B65F-115231D8156F}" type="datetimeFigureOut">
               <a:rPr lang="en-CH" smtClean="0"/>
-              <a:t>26.05.23</a:t>
+              <a:t>27.05.23</a:t>
             </a:fld>
             <a:endParaRPr lang="en-CH"/>
           </a:p>
@@ -557,7 +557,7 @@
                 <a:latin typeface="Calibri" panose="020F0502020204030204" pitchFamily="34" charset="0"/>
                 <a:ea typeface="Times New Roman" panose="02020603050405020304" pitchFamily="18" charset="0"/>
               </a:rPr>
-              <a:t>. With 70% of your total profit coming from these passengers, it is clear that they're crucial to your success. </a:t>
+              <a:t>. With 70% of your total profit coming from these passengers, it's clear that they're crucial to your success. With climate change potentially decreasing the number of flights and thereby increasing competition, prioritizing passender satisfaction becomes even more vital. </a:t>
             </a:r>
             <a:endParaRPr lang="en-CH" sz="1800" dirty="0">
               <a:effectLst/>
@@ -587,6 +587,21 @@
                 <a:latin typeface="Calibri" panose="020F0502020204030204" pitchFamily="34" charset="0"/>
                 <a:ea typeface="Times New Roman" panose="02020603050405020304" pitchFamily="18" charset="0"/>
               </a:rPr>
+              <a:t> </a:t>
+            </a:r>
+            <a:endParaRPr lang="en-CH" sz="1800" dirty="0">
+              <a:effectLst/>
+              <a:latin typeface="Times New Roman" panose="02020603050405020304" pitchFamily="18" charset="0"/>
+              <a:ea typeface="Times New Roman" panose="02020603050405020304" pitchFamily="18" charset="0"/>
+            </a:endParaRPr>
+          </a:p>
+          <a:p>
+            <a:r>
+              <a:rPr lang="en-US" sz="1800" dirty="0">
+                <a:effectLst/>
+                <a:latin typeface="Calibri" panose="020F0502020204030204" pitchFamily="34" charset="0"/>
+                <a:ea typeface="Times New Roman" panose="02020603050405020304" pitchFamily="18" charset="0"/>
+              </a:rPr>
               <a:t>Evidence shows that I</a:t>
             </a:r>
             <a:r>
@@ -595,7 +610,7 @@
                 <a:latin typeface="Calibri" panose="020F0502020204030204" pitchFamily="34" charset="0"/>
                 <a:ea typeface="Times New Roman" panose="02020603050405020304" pitchFamily="18" charset="0"/>
               </a:rPr>
-              <a:t>ndividuals traveling for work are significantly less satisfied in economy class than those traveling for personal reasons. However, corporate travelers are </a:t>
+              <a:t>ndividuals traveling for work are significantly less satisfied in economy class than those traveling for personal reasons. However, business travelers are </a:t>
             </a:r>
             <a:r>
               <a:rPr lang="en-US" sz="1800" dirty="0">
@@ -627,7 +642,23 @@
                 <a:latin typeface="Calibri" panose="020F0502020204030204" pitchFamily="34" charset="0"/>
                 <a:ea typeface="Times New Roman" panose="02020603050405020304" pitchFamily="18" charset="0"/>
               </a:rPr>
-              <a:t>. This suggests that the needs of corporate travelers are not being fully met in economy class, but upgrading to business class offers a better experience.</a:t>
+              <a:t>. This suggests that the needs of </a:t>
+            </a:r>
+            <a:r>
+              <a:rPr lang="en-US" sz="1800" dirty="0">
+                <a:effectLst/>
+                <a:latin typeface="Calibri" panose="020F0502020204030204" pitchFamily="34" charset="0"/>
+                <a:ea typeface="Times New Roman" panose="02020603050405020304" pitchFamily="18" charset="0"/>
+              </a:rPr>
+              <a:t>corporate</a:t>
+            </a:r>
+            <a:r>
+              <a:rPr lang="en-CH" sz="1800" dirty="0">
+                <a:effectLst/>
+                <a:latin typeface="Calibri" panose="020F0502020204030204" pitchFamily="34" charset="0"/>
+                <a:ea typeface="Times New Roman" panose="02020603050405020304" pitchFamily="18" charset="0"/>
+              </a:rPr>
+              <a:t> travelers are not being fully met in economy class, but upgrading to business class offers a better experience.</a:t>
             </a:r>
             <a:endParaRPr lang="en-CH" sz="1800" dirty="0">
               <a:effectLst/>
@@ -657,31 +688,7 @@
                 <a:latin typeface="Calibri" panose="020F0502020204030204" pitchFamily="34" charset="0"/>
                 <a:ea typeface="Times New Roman" panose="02020603050405020304" pitchFamily="18" charset="0"/>
               </a:rPr>
-              <a:t>To better understand these valuable customers, we've analyzed the 'US Airline passenger satisfaction' dataset from 2015. This dataset includes ratings of 14 air travel services as well as additional information about each passenger, such as their class and type of travel. </a:t>
-            </a:r>
-            <a:r>
-              <a:rPr lang="en-US" sz="1800" dirty="0">
-                <a:effectLst/>
-                <a:latin typeface="Calibri" panose="020F0502020204030204" pitchFamily="34" charset="0"/>
-                <a:ea typeface="Times New Roman" panose="02020603050405020304" pitchFamily="18" charset="0"/>
-              </a:rPr>
-              <a:t>The 14 ranked services include airline </a:t>
-            </a:r>
-            <a:r>
-              <a:rPr lang="en-US" sz="1800" dirty="0" err="1">
-                <a:effectLst/>
-                <a:latin typeface="Calibri" panose="020F0502020204030204" pitchFamily="34" charset="0"/>
-                <a:ea typeface="Times New Roman" panose="02020603050405020304" pitchFamily="18" charset="0"/>
-              </a:rPr>
-              <a:t>backoffice</a:t>
-            </a:r>
-            <a:r>
-              <a:rPr lang="en-US" sz="1800" dirty="0">
-                <a:effectLst/>
-                <a:latin typeface="Calibri" panose="020F0502020204030204" pitchFamily="34" charset="0"/>
-                <a:ea typeface="Times New Roman" panose="02020603050405020304" pitchFamily="18" charset="0"/>
-              </a:rPr>
-              <a:t> services, airport services, in-flight-services and on-board-infrastructure. </a:t>
+              <a:t>To understand the needs of these valuable customers, we've analysed the 'US Airline passenger satisfaction' dataset. This dataset includes ratings of 14 air travel services as well as additional information about each passenger, such as their class and type of travel. </a:t>
             </a:r>
             <a:endParaRPr lang="en-CH" sz="1800" dirty="0">
               <a:effectLst/>
@@ -1089,7 +1096,7 @@
           <a:p>
             <a:fld id="{C7C76689-8582-794D-9C38-C0FFCB35800C}" type="datetimeFigureOut">
               <a:rPr lang="en-CH" smtClean="0"/>
-              <a:t>26.05.23</a:t>
+              <a:t>27.05.23</a:t>
             </a:fld>
             <a:endParaRPr lang="en-CH"/>
           </a:p>
@@ -1289,7 +1296,7 @@
           <a:p>
             <a:fld id="{C7C76689-8582-794D-9C38-C0FFCB35800C}" type="datetimeFigureOut">
               <a:rPr lang="en-CH" smtClean="0"/>
-              <a:t>26.05.23</a:t>
+              <a:t>27.05.23</a:t>
             </a:fld>
             <a:endParaRPr lang="en-CH"/>
           </a:p>
@@ -1499,7 +1506,7 @@
           <a:p>
             <a:fld id="{C7C76689-8582-794D-9C38-C0FFCB35800C}" type="datetimeFigureOut">
               <a:rPr lang="en-CH" smtClean="0"/>
-              <a:t>26.05.23</a:t>
+              <a:t>27.05.23</a:t>
             </a:fld>
             <a:endParaRPr lang="en-CH"/>
           </a:p>
@@ -1699,7 +1706,7 @@
           <a:p>
             <a:fld id="{C7C76689-8582-794D-9C38-C0FFCB35800C}" type="datetimeFigureOut">
               <a:rPr lang="en-CH" smtClean="0"/>
-              <a:t>26.05.23</a:t>
+              <a:t>27.05.23</a:t>
             </a:fld>
             <a:endParaRPr lang="en-CH"/>
           </a:p>
@@ -1975,7 +1982,7 @@
           <a:p>
             <a:fld id="{C7C76689-8582-794D-9C38-C0FFCB35800C}" type="datetimeFigureOut">
               <a:rPr lang="en-CH" smtClean="0"/>
-              <a:t>26.05.23</a:t>
+              <a:t>27.05.23</a:t>
             </a:fld>
             <a:endParaRPr lang="en-CH"/>
           </a:p>
@@ -2243,7 +2250,7 @@
           <a:p>
             <a:fld id="{C7C76689-8582-794D-9C38-C0FFCB35800C}" type="datetimeFigureOut">
               <a:rPr lang="en-CH" smtClean="0"/>
-              <a:t>26.05.23</a:t>
+              <a:t>27.05.23</a:t>
             </a:fld>
             <a:endParaRPr lang="en-CH"/>
           </a:p>
@@ -2658,7 +2665,7 @@
           <a:p>
             <a:fld id="{C7C76689-8582-794D-9C38-C0FFCB35800C}" type="datetimeFigureOut">
               <a:rPr lang="en-CH" smtClean="0"/>
-              <a:t>26.05.23</a:t>
+              <a:t>27.05.23</a:t>
             </a:fld>
             <a:endParaRPr lang="en-CH"/>
           </a:p>
@@ -2800,7 +2807,7 @@
           <a:p>
             <a:fld id="{C7C76689-8582-794D-9C38-C0FFCB35800C}" type="datetimeFigureOut">
               <a:rPr lang="en-CH" smtClean="0"/>
-              <a:t>26.05.23</a:t>
+              <a:t>27.05.23</a:t>
             </a:fld>
             <a:endParaRPr lang="en-CH"/>
           </a:p>
@@ -2913,7 +2920,7 @@
           <a:p>
             <a:fld id="{C7C76689-8582-794D-9C38-C0FFCB35800C}" type="datetimeFigureOut">
               <a:rPr lang="en-CH" smtClean="0"/>
-              <a:t>26.05.23</a:t>
+              <a:t>27.05.23</a:t>
             </a:fld>
             <a:endParaRPr lang="en-CH"/>
           </a:p>
@@ -3226,7 +3233,7 @@
           <a:p>
             <a:fld id="{C7C76689-8582-794D-9C38-C0FFCB35800C}" type="datetimeFigureOut">
               <a:rPr lang="en-CH" smtClean="0"/>
-              <a:t>26.05.23</a:t>
+              <a:t>27.05.23</a:t>
             </a:fld>
             <a:endParaRPr lang="en-CH"/>
           </a:p>
@@ -3515,7 +3522,7 @@
           <a:p>
             <a:fld id="{C7C76689-8582-794D-9C38-C0FFCB35800C}" type="datetimeFigureOut">
               <a:rPr lang="en-CH" smtClean="0"/>
-              <a:t>26.05.23</a:t>
+              <a:t>27.05.23</a:t>
             </a:fld>
             <a:endParaRPr lang="en-CH"/>
           </a:p>
@@ -3758,7 +3765,7 @@
           <a:p>
             <a:fld id="{C7C76689-8582-794D-9C38-C0FFCB35800C}" type="datetimeFigureOut">
               <a:rPr lang="en-CH" smtClean="0"/>
-              <a:t>26.05.23</a:t>
+              <a:t>27.05.23</a:t>
             </a:fld>
             <a:endParaRPr lang="en-CH"/>
           </a:p>

--- a/Final Short Presentation.pptx
+++ b/Final Short Presentation.pptx
@@ -4800,6 +4800,50 @@
           </a:p>
         </p:txBody>
       </p:sp>
+      <p:cxnSp>
+        <p:nvCxnSpPr>
+          <p:cNvPr id="2" name="Straight Connector 1">
+            <a:extLst>
+              <a:ext uri="{FF2B5EF4-FFF2-40B4-BE49-F238E27FC236}">
+                <a16:creationId xmlns:a16="http://schemas.microsoft.com/office/drawing/2014/main" id="{F54E8307-9095-29BA-A2FA-9FFF8D9E9D7D}"/>
+              </a:ext>
+            </a:extLst>
+          </p:cNvPr>
+          <p:cNvCxnSpPr>
+            <a:cxnSpLocks/>
+          </p:cNvCxnSpPr>
+          <p:nvPr/>
+        </p:nvCxnSpPr>
+        <p:spPr>
+          <a:xfrm>
+            <a:off x="4809067" y="3965319"/>
+            <a:ext cx="1163987" cy="0"/>
+          </a:xfrm>
+          <a:prstGeom prst="line">
+            <a:avLst/>
+          </a:prstGeom>
+          <a:ln w="12700">
+            <a:solidFill>
+              <a:schemeClr val="tx1"/>
+            </a:solidFill>
+            <a:prstDash val="sysDash"/>
+          </a:ln>
+        </p:spPr>
+        <p:style>
+          <a:lnRef idx="1">
+            <a:schemeClr val="accent1"/>
+          </a:lnRef>
+          <a:fillRef idx="0">
+            <a:schemeClr val="accent1"/>
+          </a:fillRef>
+          <a:effectRef idx="0">
+            <a:schemeClr val="accent1"/>
+          </a:effectRef>
+          <a:fontRef idx="minor">
+            <a:schemeClr val="tx1"/>
+          </a:fontRef>
+        </p:style>
+      </p:cxnSp>
     </p:spTree>
     <p:extLst>
       <p:ext uri="{BB962C8B-B14F-4D97-AF65-F5344CB8AC3E}">

--- a/Final Short Presentation.pptx
+++ b/Final Short Presentation.pptx
@@ -198,7 +198,7 @@
           <a:p>
             <a:fld id="{D4C85C50-5966-7F47-B65F-115231D8156F}" type="datetimeFigureOut">
               <a:rPr lang="en-CH" smtClean="0"/>
-              <a:t>27.05.23</a:t>
+              <a:t>31.05.23</a:t>
             </a:fld>
             <a:endParaRPr lang="en-CH"/>
           </a:p>
@@ -528,11 +528,6 @@
               </a:rPr>
               <a:t>Flying High: Convincing Corporate travelers to upgrade to business class </a:t>
             </a:r>
-            <a:endParaRPr lang="en-CH" sz="1800" b="1" dirty="0">
-              <a:effectLst/>
-              <a:latin typeface="Times New Roman" panose="02020603050405020304" pitchFamily="18" charset="0"/>
-              <a:ea typeface="Times New Roman" panose="02020603050405020304" pitchFamily="18" charset="0"/>
-            </a:endParaRPr>
           </a:p>
           <a:p>
             <a:r>
@@ -541,7 +536,7 @@
                 <a:latin typeface="Calibri" panose="020F0502020204030204" pitchFamily="34" charset="0"/>
                 <a:ea typeface="Times New Roman" panose="02020603050405020304" pitchFamily="18" charset="0"/>
               </a:rPr>
-              <a:t>Are you looking to boost passenger satisfaction and increase profits for your airline? Look no further than your business class </a:t>
+              <a:t>Boost passenger satisfaction and increase profits for your airline by prioritizing your business class passengers, particularly corporate travelers</a:t>
             </a:r>
             <a:r>
               <a:rPr lang="en-US" sz="1800" dirty="0">
@@ -549,7 +544,7 @@
                 <a:latin typeface="Calibri" panose="020F0502020204030204" pitchFamily="34" charset="0"/>
                 <a:ea typeface="Times New Roman" panose="02020603050405020304" pitchFamily="18" charset="0"/>
               </a:rPr>
-              <a:t>passengers and potential business class passengers</a:t>
+              <a:t>, </a:t>
             </a:r>
             <a:r>
               <a:rPr lang="en-CH" sz="1800" dirty="0">
@@ -557,7 +552,15 @@
                 <a:latin typeface="Calibri" panose="020F0502020204030204" pitchFamily="34" charset="0"/>
                 <a:ea typeface="Times New Roman" panose="02020603050405020304" pitchFamily="18" charset="0"/>
               </a:rPr>
-              <a:t>. With 70% of your total profit coming from these passengers, it's clear that they're crucial to your success. With climate change potentially decreasing the number of flights and thereby increasing competition, prioritizing passender satisfaction becomes even more vital. </a:t>
+              <a:t>who generate up to 70% of total profits</a:t>
+            </a:r>
+            <a:r>
+              <a:rPr lang="en-US" sz="1800" dirty="0">
+                <a:effectLst/>
+                <a:latin typeface="Calibri" panose="020F0502020204030204" pitchFamily="34" charset="0"/>
+                <a:ea typeface="Times New Roman" panose="02020603050405020304" pitchFamily="18" charset="0"/>
+              </a:rPr>
+              <a:t>. </a:t>
             </a:r>
             <a:endParaRPr lang="en-CH" sz="1800" dirty="0">
               <a:effectLst/>
@@ -572,7 +575,15 @@
                 <a:latin typeface="Calibri" panose="020F0502020204030204" pitchFamily="34" charset="0"/>
                 <a:ea typeface="Times New Roman" panose="02020603050405020304" pitchFamily="18" charset="0"/>
               </a:rPr>
-              <a:t> </a:t>
+              <a:t>However, not</a:t>
+            </a:r>
+            <a:r>
+              <a:rPr lang="en-CH" sz="1800" dirty="0">
+                <a:effectLst/>
+                <a:latin typeface="Calibri" panose="020F0502020204030204" pitchFamily="34" charset="0"/>
+                <a:ea typeface="Times New Roman" panose="02020603050405020304" pitchFamily="18" charset="0"/>
+              </a:rPr>
+              <a:t> all corporate travelers choose to fly business class; some opt for economy. Evidence reveals that the needs of corporate travelers are not fully met in economy class. By encouraging them to upgrade, you can capture more profit and enhance their overall satisfaction.</a:t>
             </a:r>
             <a:endParaRPr lang="en-CH" sz="1800" dirty="0">
               <a:effectLst/>
@@ -582,27 +593,20 @@
           </a:p>
           <a:p>
             <a:r>
+              <a:rPr lang="en-CH" sz="1800" dirty="0">
+                <a:effectLst/>
+                <a:latin typeface="Calibri" panose="020F0502020204030204" pitchFamily="34" charset="0"/>
+                <a:ea typeface="Times New Roman" panose="02020603050405020304" pitchFamily="18" charset="0"/>
+              </a:rPr>
+              <a:t>With climate change impacting the number of flights and </a:t>
+            </a:r>
+            <a:r>
               <a:rPr lang="en-US" sz="1800" dirty="0">
                 <a:effectLst/>
                 <a:latin typeface="Calibri" panose="020F0502020204030204" pitchFamily="34" charset="0"/>
                 <a:ea typeface="Times New Roman" panose="02020603050405020304" pitchFamily="18" charset="0"/>
               </a:rPr>
-              <a:t> </a:t>
-            </a:r>
-            <a:endParaRPr lang="en-CH" sz="1800" dirty="0">
-              <a:effectLst/>
-              <a:latin typeface="Times New Roman" panose="02020603050405020304" pitchFamily="18" charset="0"/>
-              <a:ea typeface="Times New Roman" panose="02020603050405020304" pitchFamily="18" charset="0"/>
-            </a:endParaRPr>
-          </a:p>
-          <a:p>
-            <a:r>
-              <a:rPr lang="en-US" sz="1800" dirty="0">
-                <a:effectLst/>
-                <a:latin typeface="Calibri" panose="020F0502020204030204" pitchFamily="34" charset="0"/>
-                <a:ea typeface="Times New Roman" panose="02020603050405020304" pitchFamily="18" charset="0"/>
-              </a:rPr>
-              <a:t>Evidence shows that I</a:t>
+              <a:t>thereby </a:t>
             </a:r>
             <a:r>
               <a:rPr lang="en-CH" sz="1800" dirty="0">
@@ -610,55 +614,7 @@
                 <a:latin typeface="Calibri" panose="020F0502020204030204" pitchFamily="34" charset="0"/>
                 <a:ea typeface="Times New Roman" panose="02020603050405020304" pitchFamily="18" charset="0"/>
               </a:rPr>
-              <a:t>ndividuals traveling for work are significantly less satisfied in economy class than those traveling for personal reasons. However, business travelers are </a:t>
-            </a:r>
-            <a:r>
-              <a:rPr lang="en-US" sz="1800" dirty="0">
-                <a:effectLst/>
-                <a:latin typeface="Calibri" panose="020F0502020204030204" pitchFamily="34" charset="0"/>
-                <a:ea typeface="Times New Roman" panose="02020603050405020304" pitchFamily="18" charset="0"/>
-              </a:rPr>
-              <a:t>more</a:t>
-            </a:r>
-            <a:r>
-              <a:rPr lang="en-CH" sz="1800" dirty="0">
-                <a:effectLst/>
-                <a:latin typeface="Calibri" panose="020F0502020204030204" pitchFamily="34" charset="0"/>
-                <a:ea typeface="Times New Roman" panose="02020603050405020304" pitchFamily="18" charset="0"/>
-              </a:rPr>
-              <a:t> satisfied in business class </a:t>
-            </a:r>
-            <a:r>
-              <a:rPr lang="en-US" sz="1800" dirty="0">
-                <a:effectLst/>
-                <a:latin typeface="Calibri" panose="020F0502020204030204" pitchFamily="34" charset="0"/>
-                <a:ea typeface="Times New Roman" panose="02020603050405020304" pitchFamily="18" charset="0"/>
-              </a:rPr>
-              <a:t>than those traveling for personal reasons</a:t>
-            </a:r>
-            <a:r>
-              <a:rPr lang="en-CH" sz="1800" dirty="0">
-                <a:effectLst/>
-                <a:latin typeface="Calibri" panose="020F0502020204030204" pitchFamily="34" charset="0"/>
-                <a:ea typeface="Times New Roman" panose="02020603050405020304" pitchFamily="18" charset="0"/>
-              </a:rPr>
-              <a:t>. This suggests that the needs of </a:t>
-            </a:r>
-            <a:r>
-              <a:rPr lang="en-US" sz="1800" dirty="0">
-                <a:effectLst/>
-                <a:latin typeface="Calibri" panose="020F0502020204030204" pitchFamily="34" charset="0"/>
-                <a:ea typeface="Times New Roman" panose="02020603050405020304" pitchFamily="18" charset="0"/>
-              </a:rPr>
-              <a:t>corporate</a:t>
-            </a:r>
-            <a:r>
-              <a:rPr lang="en-CH" sz="1800" dirty="0">
-                <a:effectLst/>
-                <a:latin typeface="Calibri" panose="020F0502020204030204" pitchFamily="34" charset="0"/>
-                <a:ea typeface="Times New Roman" panose="02020603050405020304" pitchFamily="18" charset="0"/>
-              </a:rPr>
-              <a:t> travelers are not being fully met in economy class, but upgrading to business class offers a better experience.</a:t>
+              <a:t>increasing competition, passenger satisfaction becomes even more crucial. </a:t>
             </a:r>
             <a:endParaRPr lang="en-CH" sz="1800" dirty="0">
               <a:effectLst/>
@@ -688,7 +644,31 @@
                 <a:latin typeface="Calibri" panose="020F0502020204030204" pitchFamily="34" charset="0"/>
                 <a:ea typeface="Times New Roman" panose="02020603050405020304" pitchFamily="18" charset="0"/>
               </a:rPr>
-              <a:t>To understand the needs of these valuable customers, we've analysed the 'US Airline passenger satisfaction' dataset. This dataset includes ratings of 14 air travel services as well as additional information about each passenger, such as their class and type of travel. </a:t>
+              <a:t>To understand the needs of these valuable customers, we </a:t>
+            </a:r>
+            <a:r>
+              <a:rPr lang="en-US" sz="1800" dirty="0" err="1">
+                <a:effectLst/>
+                <a:latin typeface="Calibri" panose="020F0502020204030204" pitchFamily="34" charset="0"/>
+                <a:ea typeface="Times New Roman" panose="02020603050405020304" pitchFamily="18" charset="0"/>
+              </a:rPr>
+              <a:t>analysed</a:t>
+            </a:r>
+            <a:r>
+              <a:rPr lang="en-CH" sz="1800" dirty="0">
+                <a:effectLst/>
+                <a:latin typeface="Calibri" panose="020F0502020204030204" pitchFamily="34" charset="0"/>
+                <a:ea typeface="Times New Roman" panose="02020603050405020304" pitchFamily="18" charset="0"/>
+              </a:rPr>
+              <a:t> the 'US Airline passenger satisfaction' dataset (which includes ratings of 14 air travel services and  additional information about each passenger</a:t>
+            </a:r>
+            <a:r>
+              <a:rPr lang="en-US" sz="1800" dirty="0">
+                <a:effectLst/>
+                <a:latin typeface="Calibri" panose="020F0502020204030204" pitchFamily="34" charset="0"/>
+                <a:ea typeface="Times New Roman" panose="02020603050405020304" pitchFamily="18" charset="0"/>
+              </a:rPr>
+              <a:t>.) </a:t>
             </a:r>
             <a:endParaRPr lang="en-CH" sz="1800" dirty="0">
               <a:effectLst/>
@@ -1096,7 +1076,7 @@
           <a:p>
             <a:fld id="{C7C76689-8582-794D-9C38-C0FFCB35800C}" type="datetimeFigureOut">
               <a:rPr lang="en-CH" smtClean="0"/>
-              <a:t>27.05.23</a:t>
+              <a:t>31.05.23</a:t>
             </a:fld>
             <a:endParaRPr lang="en-CH"/>
           </a:p>
@@ -1296,7 +1276,7 @@
           <a:p>
             <a:fld id="{C7C76689-8582-794D-9C38-C0FFCB35800C}" type="datetimeFigureOut">
               <a:rPr lang="en-CH" smtClean="0"/>
-              <a:t>27.05.23</a:t>
+              <a:t>31.05.23</a:t>
             </a:fld>
             <a:endParaRPr lang="en-CH"/>
           </a:p>
@@ -1506,7 +1486,7 @@
           <a:p>
             <a:fld id="{C7C76689-8582-794D-9C38-C0FFCB35800C}" type="datetimeFigureOut">
               <a:rPr lang="en-CH" smtClean="0"/>
-              <a:t>27.05.23</a:t>
+              <a:t>31.05.23</a:t>
             </a:fld>
             <a:endParaRPr lang="en-CH"/>
           </a:p>
@@ -1706,7 +1686,7 @@
           <a:p>
             <a:fld id="{C7C76689-8582-794D-9C38-C0FFCB35800C}" type="datetimeFigureOut">
               <a:rPr lang="en-CH" smtClean="0"/>
-              <a:t>27.05.23</a:t>
+              <a:t>31.05.23</a:t>
             </a:fld>
             <a:endParaRPr lang="en-CH"/>
           </a:p>
@@ -1982,7 +1962,7 @@
           <a:p>
             <a:fld id="{C7C76689-8582-794D-9C38-C0FFCB35800C}" type="datetimeFigureOut">
               <a:rPr lang="en-CH" smtClean="0"/>
-              <a:t>27.05.23</a:t>
+              <a:t>31.05.23</a:t>
             </a:fld>
             <a:endParaRPr lang="en-CH"/>
           </a:p>
@@ -2250,7 +2230,7 @@
           <a:p>
             <a:fld id="{C7C76689-8582-794D-9C38-C0FFCB35800C}" type="datetimeFigureOut">
               <a:rPr lang="en-CH" smtClean="0"/>
-              <a:t>27.05.23</a:t>
+              <a:t>31.05.23</a:t>
             </a:fld>
             <a:endParaRPr lang="en-CH"/>
           </a:p>
@@ -2665,7 +2645,7 @@
           <a:p>
             <a:fld id="{C7C76689-8582-794D-9C38-C0FFCB35800C}" type="datetimeFigureOut">
               <a:rPr lang="en-CH" smtClean="0"/>
-              <a:t>27.05.23</a:t>
+              <a:t>31.05.23</a:t>
             </a:fld>
             <a:endParaRPr lang="en-CH"/>
           </a:p>
@@ -2807,7 +2787,7 @@
           <a:p>
             <a:fld id="{C7C76689-8582-794D-9C38-C0FFCB35800C}" type="datetimeFigureOut">
               <a:rPr lang="en-CH" smtClean="0"/>
-              <a:t>27.05.23</a:t>
+              <a:t>31.05.23</a:t>
             </a:fld>
             <a:endParaRPr lang="en-CH"/>
           </a:p>
@@ -2920,7 +2900,7 @@
           <a:p>
             <a:fld id="{C7C76689-8582-794D-9C38-C0FFCB35800C}" type="datetimeFigureOut">
               <a:rPr lang="en-CH" smtClean="0"/>
-              <a:t>27.05.23</a:t>
+              <a:t>31.05.23</a:t>
             </a:fld>
             <a:endParaRPr lang="en-CH"/>
           </a:p>
@@ -3233,7 +3213,7 @@
           <a:p>
             <a:fld id="{C7C76689-8582-794D-9C38-C0FFCB35800C}" type="datetimeFigureOut">
               <a:rPr lang="en-CH" smtClean="0"/>
-              <a:t>27.05.23</a:t>
+              <a:t>31.05.23</a:t>
             </a:fld>
             <a:endParaRPr lang="en-CH"/>
           </a:p>
@@ -3522,7 +3502,7 @@
           <a:p>
             <a:fld id="{C7C76689-8582-794D-9C38-C0FFCB35800C}" type="datetimeFigureOut">
               <a:rPr lang="en-CH" smtClean="0"/>
-              <a:t>27.05.23</a:t>
+              <a:t>31.05.23</a:t>
             </a:fld>
             <a:endParaRPr lang="en-CH"/>
           </a:p>
@@ -3765,7 +3745,7 @@
           <a:p>
             <a:fld id="{C7C76689-8582-794D-9C38-C0FFCB35800C}" type="datetimeFigureOut">
               <a:rPr lang="en-CH" smtClean="0"/>
-              <a:t>27.05.23</a:t>
+              <a:t>31.05.23</a:t>
             </a:fld>
             <a:endParaRPr lang="en-CH"/>
           </a:p>
